--- a/Neighborhood.pptx
+++ b/Neighborhood.pptx
@@ -9,6 +9,8 @@
     <p:sldId id="257" r:id="rId3"/>
     <p:sldId id="258" r:id="rId4"/>
     <p:sldId id="259" r:id="rId5"/>
+    <p:sldId id="260" r:id="rId6"/>
+    <p:sldId id="261" r:id="rId7"/>
   </p:sldIdLst>
   <p:sldSz cx="12192000" cy="6858000"/>
   <p:notesSz cx="6858000" cy="9144000"/>
@@ -107,11 +109,6 @@
       </a:defRPr>
     </a:lvl9pPr>
   </p:defaultTextStyle>
-  <p:extLst>
-    <p:ext uri="{EFAFB233-063F-42B5-8137-9DF3F51BA10A}">
-      <p15:sldGuideLst xmlns:p15="http://schemas.microsoft.com/office/powerpoint/2012/main"/>
-    </p:ext>
-  </p:extLst>
 </p:presentation>
 </file>
 
@@ -262,7 +259,7 @@
           <a:p>
             <a:fld id="{2F59B36B-A8DA-4A94-B313-FD28DB1827DB}" type="datetimeFigureOut">
               <a:rPr lang="en-US" smtClean="0"/>
-              <a:t>8/10/2019</a:t>
+              <a:t>12/27/2018</a:t>
             </a:fld>
             <a:endParaRPr lang="en-US"/>
           </a:p>
@@ -460,7 +457,7 @@
           <a:p>
             <a:fld id="{2F59B36B-A8DA-4A94-B313-FD28DB1827DB}" type="datetimeFigureOut">
               <a:rPr lang="en-US" smtClean="0"/>
-              <a:t>8/10/2019</a:t>
+              <a:t>12/27/2018</a:t>
             </a:fld>
             <a:endParaRPr lang="en-US"/>
           </a:p>
@@ -668,7 +665,7 @@
           <a:p>
             <a:fld id="{2F59B36B-A8DA-4A94-B313-FD28DB1827DB}" type="datetimeFigureOut">
               <a:rPr lang="en-US" smtClean="0"/>
-              <a:t>8/10/2019</a:t>
+              <a:t>12/27/2018</a:t>
             </a:fld>
             <a:endParaRPr lang="en-US"/>
           </a:p>
@@ -866,7 +863,7 @@
           <a:p>
             <a:fld id="{2F59B36B-A8DA-4A94-B313-FD28DB1827DB}" type="datetimeFigureOut">
               <a:rPr lang="en-US" smtClean="0"/>
-              <a:t>8/10/2019</a:t>
+              <a:t>12/27/2018</a:t>
             </a:fld>
             <a:endParaRPr lang="en-US"/>
           </a:p>
@@ -1141,7 +1138,7 @@
           <a:p>
             <a:fld id="{2F59B36B-A8DA-4A94-B313-FD28DB1827DB}" type="datetimeFigureOut">
               <a:rPr lang="en-US" smtClean="0"/>
-              <a:t>8/10/2019</a:t>
+              <a:t>12/27/2018</a:t>
             </a:fld>
             <a:endParaRPr lang="en-US"/>
           </a:p>
@@ -1406,7 +1403,7 @@
           <a:p>
             <a:fld id="{2F59B36B-A8DA-4A94-B313-FD28DB1827DB}" type="datetimeFigureOut">
               <a:rPr lang="en-US" smtClean="0"/>
-              <a:t>8/10/2019</a:t>
+              <a:t>12/27/2018</a:t>
             </a:fld>
             <a:endParaRPr lang="en-US"/>
           </a:p>
@@ -1818,7 +1815,7 @@
           <a:p>
             <a:fld id="{2F59B36B-A8DA-4A94-B313-FD28DB1827DB}" type="datetimeFigureOut">
               <a:rPr lang="en-US" smtClean="0"/>
-              <a:t>8/10/2019</a:t>
+              <a:t>12/27/2018</a:t>
             </a:fld>
             <a:endParaRPr lang="en-US"/>
           </a:p>
@@ -1959,7 +1956,7 @@
           <a:p>
             <a:fld id="{2F59B36B-A8DA-4A94-B313-FD28DB1827DB}" type="datetimeFigureOut">
               <a:rPr lang="en-US" smtClean="0"/>
-              <a:t>8/10/2019</a:t>
+              <a:t>12/27/2018</a:t>
             </a:fld>
             <a:endParaRPr lang="en-US"/>
           </a:p>
@@ -2072,7 +2069,7 @@
           <a:p>
             <a:fld id="{2F59B36B-A8DA-4A94-B313-FD28DB1827DB}" type="datetimeFigureOut">
               <a:rPr lang="en-US" smtClean="0"/>
-              <a:t>8/10/2019</a:t>
+              <a:t>12/27/2018</a:t>
             </a:fld>
             <a:endParaRPr lang="en-US"/>
           </a:p>
@@ -2383,7 +2380,7 @@
           <a:p>
             <a:fld id="{2F59B36B-A8DA-4A94-B313-FD28DB1827DB}" type="datetimeFigureOut">
               <a:rPr lang="en-US" smtClean="0"/>
-              <a:t>8/10/2019</a:t>
+              <a:t>12/27/2018</a:t>
             </a:fld>
             <a:endParaRPr lang="en-US"/>
           </a:p>
@@ -2671,7 +2668,7 @@
           <a:p>
             <a:fld id="{2F59B36B-A8DA-4A94-B313-FD28DB1827DB}" type="datetimeFigureOut">
               <a:rPr lang="en-US" smtClean="0"/>
-              <a:t>8/10/2019</a:t>
+              <a:t>12/27/2018</a:t>
             </a:fld>
             <a:endParaRPr lang="en-US"/>
           </a:p>
@@ -2912,7 +2909,7 @@
           <a:p>
             <a:fld id="{2F59B36B-A8DA-4A94-B313-FD28DB1827DB}" type="datetimeFigureOut">
               <a:rPr lang="en-US" smtClean="0"/>
-              <a:t>8/10/2019</a:t>
+              <a:t>12/27/2018</a:t>
             </a:fld>
             <a:endParaRPr lang="en-US"/>
           </a:p>
@@ -3699,6 +3696,253 @@
 </p:sld>
 </file>
 
+<file path=ppt/slides/slide5.xml><?xml version="1.0" encoding="utf-8"?>
+<p:sld xmlns:a="http://schemas.openxmlformats.org/drawingml/2006/main" xmlns:r="http://schemas.openxmlformats.org/officeDocument/2006/relationships" xmlns:p="http://schemas.openxmlformats.org/presentationml/2006/main">
+  <p:cSld>
+    <p:spTree>
+      <p:nvGrpSpPr>
+        <p:cNvPr id="1" name=""/>
+        <p:cNvGrpSpPr/>
+        <p:nvPr/>
+      </p:nvGrpSpPr>
+      <p:grpSpPr>
+        <a:xfrm>
+          <a:off x="0" y="0"/>
+          <a:ext cx="0" cy="0"/>
+          <a:chOff x="0" y="0"/>
+          <a:chExt cx="0" cy="0"/>
+        </a:xfrm>
+      </p:grpSpPr>
+      <p:sp>
+        <p:nvSpPr>
+          <p:cNvPr id="2" name="Title 1">
+            <a:extLst>
+              <a:ext uri="{FF2B5EF4-FFF2-40B4-BE49-F238E27FC236}">
+                <a16:creationId xmlns:a16="http://schemas.microsoft.com/office/drawing/2014/main" id="{32EFAC26-E64D-4750-B03D-89098A72D5D0}"/>
+              </a:ext>
+            </a:extLst>
+          </p:cNvPr>
+          <p:cNvSpPr>
+            <a:spLocks noGrp="1"/>
+          </p:cNvSpPr>
+          <p:nvPr>
+            <p:ph type="title"/>
+          </p:nvPr>
+        </p:nvSpPr>
+        <p:spPr/>
+        <p:txBody>
+          <a:bodyPr/>
+          <a:lstStyle/>
+          <a:p>
+            <a:r>
+              <a:rPr lang="en-US" dirty="0"/>
+              <a:t>Results</a:t>
+            </a:r>
+          </a:p>
+        </p:txBody>
+      </p:sp>
+      <p:sp>
+        <p:nvSpPr>
+          <p:cNvPr id="3" name="Content Placeholder 2">
+            <a:extLst>
+              <a:ext uri="{FF2B5EF4-FFF2-40B4-BE49-F238E27FC236}">
+                <a16:creationId xmlns:a16="http://schemas.microsoft.com/office/drawing/2014/main" id="{78BDDC58-3177-4482-83F5-30C27B3E977B}"/>
+              </a:ext>
+            </a:extLst>
+          </p:cNvPr>
+          <p:cNvSpPr>
+            <a:spLocks noGrp="1"/>
+          </p:cNvSpPr>
+          <p:nvPr>
+            <p:ph idx="1"/>
+          </p:nvPr>
+        </p:nvSpPr>
+        <p:spPr/>
+        <p:txBody>
+          <a:bodyPr/>
+          <a:lstStyle/>
+          <a:p>
+            <a:r>
+              <a:rPr lang="en-US" dirty="0"/>
+              <a:t>Providence has more venues than Hartford (512 vs 460)</a:t>
+            </a:r>
+          </a:p>
+          <a:p>
+            <a:r>
+              <a:rPr lang="en-US" dirty="0"/>
+              <a:t>Federal Hill has the most venues in Providence</a:t>
+            </a:r>
+          </a:p>
+          <a:p>
+            <a:r>
+              <a:rPr lang="en-US" dirty="0"/>
+              <a:t>Downtown has the most venues in Hartford</a:t>
+            </a:r>
+          </a:p>
+          <a:p>
+            <a:r>
+              <a:rPr lang="en-US" dirty="0"/>
+              <a:t>Most of venues in Federal Hill are restaurants, bars</a:t>
+            </a:r>
+          </a:p>
+          <a:p>
+            <a:r>
+              <a:rPr lang="en-US" dirty="0"/>
+              <a:t>Venues in Downtown Hartford are more diverse includes: banks, concert hall, gyms…</a:t>
+            </a:r>
+          </a:p>
+          <a:p>
+            <a:r>
+              <a:rPr lang="en-US" dirty="0"/>
+              <a:t>Bars, Restaurants, Bakeries, and Diners are very common in Providence</a:t>
+            </a:r>
+          </a:p>
+          <a:p>
+            <a:r>
+              <a:rPr lang="en-US" dirty="0"/>
+              <a:t>Hartford is more about commercial</a:t>
+            </a:r>
+          </a:p>
+        </p:txBody>
+      </p:sp>
+    </p:spTree>
+    <p:extLst>
+      <p:ext uri="{BB962C8B-B14F-4D97-AF65-F5344CB8AC3E}">
+        <p14:creationId xmlns:p14="http://schemas.microsoft.com/office/powerpoint/2010/main" val="3127583367"/>
+      </p:ext>
+    </p:extLst>
+  </p:cSld>
+  <p:clrMapOvr>
+    <a:masterClrMapping/>
+  </p:clrMapOvr>
+</p:sld>
+</file>
+
+<file path=ppt/slides/slide6.xml><?xml version="1.0" encoding="utf-8"?>
+<p:sld xmlns:a="http://schemas.openxmlformats.org/drawingml/2006/main" xmlns:r="http://schemas.openxmlformats.org/officeDocument/2006/relationships" xmlns:p="http://schemas.openxmlformats.org/presentationml/2006/main">
+  <p:cSld>
+    <p:spTree>
+      <p:nvGrpSpPr>
+        <p:cNvPr id="1" name=""/>
+        <p:cNvGrpSpPr/>
+        <p:nvPr/>
+      </p:nvGrpSpPr>
+      <p:grpSpPr>
+        <a:xfrm>
+          <a:off x="0" y="0"/>
+          <a:ext cx="0" cy="0"/>
+          <a:chOff x="0" y="0"/>
+          <a:chExt cx="0" cy="0"/>
+        </a:xfrm>
+      </p:grpSpPr>
+      <p:sp>
+        <p:nvSpPr>
+          <p:cNvPr id="2" name="Title 1">
+            <a:extLst>
+              <a:ext uri="{FF2B5EF4-FFF2-40B4-BE49-F238E27FC236}">
+                <a16:creationId xmlns:a16="http://schemas.microsoft.com/office/drawing/2014/main" id="{D4F51AAF-31EF-451C-83CC-66046738CBF3}"/>
+              </a:ext>
+            </a:extLst>
+          </p:cNvPr>
+          <p:cNvSpPr>
+            <a:spLocks noGrp="1"/>
+          </p:cNvSpPr>
+          <p:nvPr>
+            <p:ph type="title"/>
+          </p:nvPr>
+        </p:nvSpPr>
+        <p:spPr/>
+        <p:txBody>
+          <a:bodyPr/>
+          <a:lstStyle/>
+          <a:p>
+            <a:r>
+              <a:rPr lang="en-US" dirty="0"/>
+              <a:t>Conclusion</a:t>
+            </a:r>
+          </a:p>
+        </p:txBody>
+      </p:sp>
+      <p:sp>
+        <p:nvSpPr>
+          <p:cNvPr id="3" name="Content Placeholder 2">
+            <a:extLst>
+              <a:ext uri="{FF2B5EF4-FFF2-40B4-BE49-F238E27FC236}">
+                <a16:creationId xmlns:a16="http://schemas.microsoft.com/office/drawing/2014/main" id="{D59B18D8-A8C2-4BAC-A540-76221EF41F1C}"/>
+              </a:ext>
+            </a:extLst>
+          </p:cNvPr>
+          <p:cNvSpPr>
+            <a:spLocks noGrp="1"/>
+          </p:cNvSpPr>
+          <p:nvPr>
+            <p:ph idx="1"/>
+          </p:nvPr>
+        </p:nvSpPr>
+        <p:spPr/>
+        <p:txBody>
+          <a:bodyPr/>
+          <a:lstStyle/>
+          <a:p>
+            <a:r>
+              <a:rPr lang="en-US" dirty="0"/>
+              <a:t>For travelers:</a:t>
+            </a:r>
+          </a:p>
+          <a:p>
+            <a:r>
+              <a:rPr lang="en-US" dirty="0"/>
+              <a:t>Providence may more suitable to spend a good amount time of enjoy the local food</a:t>
+            </a:r>
+          </a:p>
+          <a:p>
+            <a:r>
+              <a:rPr lang="en-US" dirty="0"/>
+              <a:t>Hartford has less food but more commercial</a:t>
+            </a:r>
+          </a:p>
+          <a:p>
+            <a:endParaRPr lang="en-US" dirty="0"/>
+          </a:p>
+          <a:p>
+            <a:r>
+              <a:rPr lang="en-US" dirty="0"/>
+              <a:t>For business owners:</a:t>
+            </a:r>
+          </a:p>
+          <a:p>
+            <a:r>
+              <a:rPr lang="en-US" dirty="0"/>
+              <a:t>Providence is good place to open small business related to food and travel industry</a:t>
+            </a:r>
+          </a:p>
+          <a:p>
+            <a:r>
+              <a:rPr lang="en-US" dirty="0"/>
+              <a:t>Hartford is better place to involve in insurance industry</a:t>
+            </a:r>
+          </a:p>
+          <a:p>
+            <a:pPr marL="0" indent="0">
+              <a:buNone/>
+            </a:pPr>
+            <a:endParaRPr lang="en-US" dirty="0"/>
+          </a:p>
+        </p:txBody>
+      </p:sp>
+    </p:spTree>
+    <p:extLst>
+      <p:ext uri="{BB962C8B-B14F-4D97-AF65-F5344CB8AC3E}">
+        <p14:creationId xmlns:p14="http://schemas.microsoft.com/office/powerpoint/2010/main" val="648234962"/>
+      </p:ext>
+    </p:extLst>
+  </p:cSld>
+  <p:clrMapOvr>
+    <a:masterClrMapping/>
+  </p:clrMapOvr>
+</p:sld>
+</file>
+
 <file path=ppt/theme/theme1.xml><?xml version="1.0" encoding="utf-8"?>
 <a:theme xmlns:a="http://schemas.openxmlformats.org/drawingml/2006/main" name="Office Theme">
   <a:themeElements>
